--- a/Lectures/Week08/Lecture15.pptx
+++ b/Lectures/Week08/Lecture15.pptx
@@ -3411,7 +3411,7 @@
                             <a:rPr lang="en-US" b="0" i="1" smtClean="0">
                               <a:latin typeface="Cambria Math" panose="02040503050406030204" pitchFamily="18" charset="0"/>
                             </a:rPr>
-                            <m:t>𝑢</m:t>
+                            <m:t>𝑥</m:t>
                           </m:r>
                         </m:num>
                         <m:den>
@@ -3458,7 +3458,7 @@
                         <a:rPr lang="en-US" b="0" i="1" smtClean="0">
                           <a:latin typeface="Cambria Math" panose="02040503050406030204" pitchFamily="18" charset="0"/>
                         </a:rPr>
-                        <m:t>𝛼</m:t>
+                        <m:t>𝜁</m:t>
                       </m:r>
                       <m:f>
                         <m:fPr>
@@ -3473,7 +3473,13 @@
                             <a:rPr lang="en-US" b="0" i="1" smtClean="0">
                               <a:latin typeface="Cambria Math" panose="02040503050406030204" pitchFamily="18" charset="0"/>
                             </a:rPr>
-                            <m:t>𝑑𝑢</m:t>
+                            <m:t>𝑑</m:t>
+                          </m:r>
+                          <m:r>
+                            <a:rPr lang="en-US" b="0" i="1" smtClean="0">
+                              <a:latin typeface="Cambria Math" panose="02040503050406030204" pitchFamily="18" charset="0"/>
+                            </a:rPr>
+                            <m:t>𝑥</m:t>
                           </m:r>
                         </m:num>
                         <m:den>
@@ -3481,13 +3487,7 @@
                             <a:rPr lang="en-US" b="0" i="1" smtClean="0">
                               <a:latin typeface="Cambria Math" panose="02040503050406030204" pitchFamily="18" charset="0"/>
                             </a:rPr>
-                            <m:t>𝑑</m:t>
-                          </m:r>
-                          <m:r>
-                            <a:rPr lang="en-US" b="0" i="1" smtClean="0">
-                              <a:latin typeface="Cambria Math" panose="02040503050406030204" pitchFamily="18" charset="0"/>
-                            </a:rPr>
-                            <m:t>𝑧</m:t>
+                            <m:t>𝑑𝑧</m:t>
                           </m:r>
                         </m:den>
                       </m:f>
@@ -3501,7 +3501,7 @@
                         <a:rPr lang="en-US" b="0" i="1" smtClean="0">
                           <a:latin typeface="Cambria Math" panose="02040503050406030204" pitchFamily="18" charset="0"/>
                         </a:rPr>
-                        <m:t>𝑢</m:t>
+                        <m:t>𝑥</m:t>
                       </m:r>
                       <m:r>
                         <a:rPr lang="en-US" b="0" i="1" smtClean="0">
@@ -3806,7 +3806,7 @@
                         </a:solidFill>
                         <a:latin typeface="Cambria Math" panose="02040503050406030204" pitchFamily="18" charset="0"/>
                       </a:rPr>
-                      <m:t>𝑢</m:t>
+                      <m:t>𝑥</m:t>
                     </m:r>
                     <m:d>
                       <m:dPr>
@@ -3861,13 +3861,13 @@
                       </m:dPr>
                       <m:e>
                         <m:r>
-                          <a:rPr lang="en-US" i="1">
+                          <a:rPr lang="en-US" b="0" i="1" smtClean="0">
                             <a:solidFill>
                               <a:srgbClr val="0033CC"/>
                             </a:solidFill>
                             <a:latin typeface="Cambria Math" panose="02040503050406030204" pitchFamily="18" charset="0"/>
                           </a:rPr>
-                          <m:t>𝑥</m:t>
+                          <m:t>𝑝</m:t>
                         </m:r>
                         <m:r>
                           <a:rPr lang="en-US" i="1">
@@ -3923,13 +3923,13 @@
                 <a14:m>
                   <m:oMath xmlns:m="http://schemas.openxmlformats.org/officeDocument/2006/math">
                     <m:r>
-                      <a:rPr lang="en-US" i="1">
+                      <a:rPr lang="en-US" b="0" i="1" smtClean="0">
                         <a:solidFill>
                           <a:srgbClr val="0033CC"/>
                         </a:solidFill>
                         <a:latin typeface="Cambria Math" panose="02040503050406030204" pitchFamily="18" charset="0"/>
                       </a:rPr>
-                      <m:t>𝑥</m:t>
+                      <m:t>𝑝</m:t>
                     </m:r>
                     <m:r>
                       <a:rPr lang="en-US" i="1">
@@ -3983,13 +3983,13 @@
                           </m:sSubPr>
                           <m:e>
                             <m:r>
-                              <a:rPr lang="en-US" i="1">
+                              <a:rPr lang="en-US" b="0" i="1" smtClean="0">
                                 <a:solidFill>
                                   <a:srgbClr val="0033CC"/>
                                 </a:solidFill>
                                 <a:latin typeface="Cambria Math" panose="02040503050406030204" pitchFamily="18" charset="0"/>
                               </a:rPr>
-                              <m:t>𝑢</m:t>
+                              <m:t>𝑥</m:t>
                             </m:r>
                           </m:e>
                           <m:sub>
@@ -4057,13 +4057,13 @@
                           <m:t>, </m:t>
                         </m:r>
                         <m:r>
-                          <a:rPr lang="en-US" i="1">
+                          <a:rPr lang="en-US" b="0" i="1" smtClean="0">
                             <a:solidFill>
                               <a:srgbClr val="0033CC"/>
                             </a:solidFill>
                             <a:latin typeface="Cambria Math" panose="02040503050406030204" pitchFamily="18" charset="0"/>
                           </a:rPr>
-                          <m:t>𝛼</m:t>
+                          <m:t>𝜁</m:t>
                         </m:r>
                       </m:e>
                     </m:d>
@@ -4094,7 +4094,7 @@
                             </a:solidFill>
                             <a:latin typeface="Cambria Math" panose="02040503050406030204" pitchFamily="18" charset="0"/>
                           </a:rPr>
-                          <m:t>𝑢</m:t>
+                          <m:t>𝑥</m:t>
                         </m:r>
                         <m:d>
                           <m:dPr>
@@ -4129,13 +4129,13 @@
                           <m:t>=</m:t>
                         </m:r>
                         <m:r>
-                          <a:rPr lang="en-US" i="1">
+                          <a:rPr lang="en-US" b="0" i="1" smtClean="0">
                             <a:solidFill>
                               <a:srgbClr val="0033CC"/>
                             </a:solidFill>
                             <a:latin typeface="Cambria Math" panose="02040503050406030204" pitchFamily="18" charset="0"/>
                           </a:rPr>
-                          <m:t>𝑢</m:t>
+                          <m:t>𝑥</m:t>
                         </m:r>
                       </m:e>
                       <m:sub>
@@ -4199,7 +4199,16 @@
                                 </a:solidFill>
                                 <a:latin typeface="Cambria Math" panose="02040503050406030204" pitchFamily="18" charset="0"/>
                               </a:rPr>
-                              <m:t>𝑑𝑢</m:t>
+                              <m:t>𝑑</m:t>
+                            </m:r>
+                            <m:r>
+                              <a:rPr lang="en-US" b="0" i="1" smtClean="0">
+                                <a:solidFill>
+                                  <a:srgbClr val="0033CC"/>
+                                </a:solidFill>
+                                <a:latin typeface="Cambria Math" panose="02040503050406030204" pitchFamily="18" charset="0"/>
+                              </a:rPr>
+                              <m:t>𝑥</m:t>
                             </m:r>
                           </m:num>
                           <m:den>
@@ -4503,7 +4512,7 @@
               <a:blipFill>
                 <a:blip r:embed="rId2"/>
                 <a:stretch>
-                  <a:fillRect l="-1142" t="-1316" r="-2121"/>
+                  <a:fillRect l="-1142" t="-1316" r="-1958"/>
                 </a:stretch>
               </a:blipFill>
             </p:spPr>
@@ -4894,10 +4903,10 @@
                                             </m:sSubPr>
                                             <m:e>
                                               <m:r>
-                                                <a:rPr lang="en-US" i="1">
+                                                <a:rPr lang="en-US" b="0" i="1" smtClean="0">
                                                   <a:latin typeface="Cambria Math" panose="02040503050406030204" pitchFamily="18" charset="0"/>
                                                 </a:rPr>
-                                                <m:t>𝑥</m:t>
+                                                <m:t>𝑝</m:t>
                                               </m:r>
                                             </m:e>
                                             <m:sub>
@@ -5053,10 +5062,10 @@
                                             </m:sSubPr>
                                             <m:e>
                                               <m:r>
-                                                <a:rPr lang="en-US" i="1">
+                                                <a:rPr lang="en-US" b="0" i="1" smtClean="0">
                                                   <a:latin typeface="Cambria Math" panose="02040503050406030204" pitchFamily="18" charset="0"/>
                                                 </a:rPr>
-                                                <m:t>𝑥</m:t>
+                                                <m:t>𝑝</m:t>
                                               </m:r>
                                             </m:e>
                                             <m:sub>
@@ -5116,10 +5125,10 @@
                                 </m:sSubPr>
                                 <m:e>
                                   <m:r>
-                                    <a:rPr lang="en-US" i="1">
+                                    <a:rPr lang="en-US" b="0" i="1" smtClean="0">
                                       <a:latin typeface="Cambria Math" panose="02040503050406030204" pitchFamily="18" charset="0"/>
                                     </a:rPr>
-                                    <m:t>𝑢</m:t>
+                                    <m:t>𝑥</m:t>
                                   </m:r>
                                 </m:e>
                                 <m:sub>
@@ -5221,10 +5230,10 @@
                                                 </m:sSubPr>
                                                 <m:e>
                                                   <m:r>
-                                                    <a:rPr lang="en-US" i="1">
+                                                    <a:rPr lang="en-US" b="0" i="1" smtClean="0">
                                                       <a:latin typeface="Cambria Math" panose="02040503050406030204" pitchFamily="18" charset="0"/>
                                                     </a:rPr>
-                                                    <m:t>𝑥</m:t>
+                                                    <m:t>𝑝</m:t>
                                                   </m:r>
                                                 </m:e>
                                                 <m:sub>
@@ -5536,10 +5545,10 @@
                                         </m:sSubPr>
                                         <m:e>
                                           <m:r>
-                                            <a:rPr lang="en-US" i="1">
+                                            <a:rPr lang="en-US" b="0" i="1" smtClean="0">
                                               <a:latin typeface="Cambria Math" panose="02040503050406030204" pitchFamily="18" charset="0"/>
                                             </a:rPr>
-                                            <m:t>𝑥</m:t>
+                                            <m:t>𝑝</m:t>
                                           </m:r>
                                         </m:e>
                                         <m:sub>
@@ -5572,10 +5581,10 @@
                                     <m:t>−</m:t>
                                   </m:r>
                                   <m:r>
-                                    <a:rPr lang="en-US" i="1">
+                                    <a:rPr lang="en-US" b="0" i="1" smtClean="0">
                                       <a:latin typeface="Cambria Math" panose="02040503050406030204" pitchFamily="18" charset="0"/>
                                     </a:rPr>
-                                    <m:t>𝑢</m:t>
+                                    <m:t>𝑥</m:t>
                                   </m:r>
                                   <m:d>
                                     <m:dPr>
@@ -5596,10 +5605,10 @@
                                         </m:sSubPr>
                                         <m:e>
                                           <m:r>
-                                            <a:rPr lang="en-US" i="1">
+                                            <a:rPr lang="en-US" b="0" i="1" smtClean="0">
                                               <a:latin typeface="Cambria Math" panose="02040503050406030204" pitchFamily="18" charset="0"/>
                                             </a:rPr>
-                                            <m:t>𝑥</m:t>
+                                            <m:t>𝑝</m:t>
                                           </m:r>
                                         </m:e>
                                         <m:sub>
@@ -5692,7 +5701,7 @@
                                 </a:solidFill>
                                 <a:latin typeface="Cambria Math" panose="02040503050406030204" pitchFamily="18" charset="0"/>
                               </a:rPr>
-                              <m:t>𝑥</m:t>
+                              <m:t>𝑝</m:t>
                             </m:r>
                             <m:r>
                               <a:rPr lang="en-US" i="1">
@@ -5994,13 +6003,13 @@
                 <a14:m>
                   <m:oMath xmlns:m="http://schemas.openxmlformats.org/officeDocument/2006/math">
                     <m:r>
-                      <a:rPr lang="en-US" i="1" smtClean="0">
+                      <a:rPr lang="en-US" b="0" i="1" smtClean="0">
                         <a:solidFill>
                           <a:schemeClr val="tx1"/>
                         </a:solidFill>
                         <a:latin typeface="Cambria Math" panose="02040503050406030204" pitchFamily="18" charset="0"/>
                       </a:rPr>
-                      <m:t>𝑥</m:t>
+                      <m:t>𝑝</m:t>
                     </m:r>
                     <m:r>
                       <a:rPr lang="en-US" i="1" smtClean="0">
@@ -6042,13 +6051,13 @@
                       </m:sSubPr>
                       <m:e>
                         <m:r>
-                          <a:rPr lang="en-US" i="1">
+                          <a:rPr lang="en-US" b="0" i="1" smtClean="0">
                             <a:solidFill>
                               <a:schemeClr val="tx1"/>
                             </a:solidFill>
                             <a:latin typeface="Cambria Math" panose="02040503050406030204" pitchFamily="18" charset="0"/>
                           </a:rPr>
-                          <m:t>𝑢</m:t>
+                          <m:t>𝑥</m:t>
                         </m:r>
                       </m:e>
                       <m:sub>
@@ -6116,13 +6125,13 @@
                       <m:t>, </m:t>
                     </m:r>
                     <m:r>
-                      <a:rPr lang="en-US" i="1">
+                      <a:rPr lang="en-US" b="0" i="1" smtClean="0">
                         <a:solidFill>
                           <a:schemeClr val="tx1"/>
                         </a:solidFill>
                         <a:latin typeface="Cambria Math" panose="02040503050406030204" pitchFamily="18" charset="0"/>
                       </a:rPr>
-                      <m:t>𝛼</m:t>
+                      <m:t>𝜁</m:t>
                     </m:r>
                     <m:r>
                       <a:rPr lang="en-US" i="1">
@@ -6209,7 +6218,7 @@
                             </a:solidFill>
                             <a:latin typeface="Cambria Math" panose="02040503050406030204" pitchFamily="18" charset="0"/>
                           </a:rPr>
-                          <m:t>𝑥</m:t>
+                          <m:t>𝑝</m:t>
                         </m:r>
                         <m:r>
                           <a:rPr lang="en-US" sz="2400" b="0" i="1" smtClean="0">
@@ -6288,34 +6297,22 @@
                       <a:rPr lang="en-US" b="0" i="1" smtClean="0">
                         <a:latin typeface="Cambria Math" panose="02040503050406030204" pitchFamily="18" charset="0"/>
                       </a:rPr>
-                      <m:t>𝑢</m:t>
+                      <m:t>𝑥</m:t>
                     </m:r>
                     <m:d>
                       <m:dPr>
                         <m:ctrlPr>
-                          <a:rPr lang="en-US" i="1">
+                          <a:rPr lang="en-US" b="0" i="1" smtClean="0">
                             <a:latin typeface="Cambria Math" panose="02040503050406030204" pitchFamily="18" charset="0"/>
                           </a:rPr>
                         </m:ctrlPr>
                       </m:dPr>
                       <m:e>
                         <m:r>
-                          <a:rPr lang="en-US" i="1">
+                          <a:rPr lang="en-US" b="0" i="1" smtClean="0">
                             <a:latin typeface="Cambria Math" panose="02040503050406030204" pitchFamily="18" charset="0"/>
                           </a:rPr>
-                          <m:t>𝑥</m:t>
-                        </m:r>
-                        <m:r>
-                          <a:rPr lang="en-US" i="1">
-                            <a:latin typeface="Cambria Math" panose="02040503050406030204" pitchFamily="18" charset="0"/>
-                          </a:rPr>
-                          <m:t>,</m:t>
-                        </m:r>
-                        <m:r>
-                          <a:rPr lang="en-US" i="1">
-                            <a:latin typeface="Cambria Math" panose="02040503050406030204" pitchFamily="18" charset="0"/>
-                          </a:rPr>
-                          <m:t>𝜃</m:t>
+                          <m:t>𝑝</m:t>
                         </m:r>
                       </m:e>
                     </m:d>
@@ -6323,7 +6320,13 @@
                       <a:rPr lang="en-US" b="0" i="1" smtClean="0">
                         <a:latin typeface="Cambria Math" panose="02040503050406030204" pitchFamily="18" charset="0"/>
                       </a:rPr>
-                      <m:t>= </m:t>
+                      <m:t>     =</m:t>
+                    </m:r>
+                    <m:r>
+                      <a:rPr lang="en-US" b="0" i="1" smtClean="0">
+                        <a:latin typeface="Cambria Math" panose="02040503050406030204" pitchFamily="18" charset="0"/>
+                      </a:rPr>
+                      <m:t> </m:t>
                     </m:r>
                   </m:oMath>
                 </a14:m>
@@ -6353,10 +6356,10 @@
                       </m:dPr>
                       <m:e>
                         <m:r>
-                          <a:rPr lang="en-US" i="1">
+                          <a:rPr lang="en-US" b="0" i="1" smtClean="0">
                             <a:latin typeface="Cambria Math" panose="02040503050406030204" pitchFamily="18" charset="0"/>
                           </a:rPr>
-                          <m:t>𝑥</m:t>
+                          <m:t>𝑝</m:t>
                         </m:r>
                         <m:r>
                           <a:rPr lang="en-US" i="1">
@@ -6432,12 +6435,6 @@
                       </a:rPr>
                       <m:t>     =</m:t>
                     </m:r>
-                    <m:r>
-                      <a:rPr lang="en-US" b="0" i="1" smtClean="0">
-                        <a:latin typeface="Cambria Math" panose="02040503050406030204" pitchFamily="18" charset="0"/>
-                      </a:rPr>
-                      <m:t> </m:t>
-                    </m:r>
                   </m:oMath>
                 </a14:m>
                 <a:r>
@@ -6451,40 +6448,41 @@
                 <a14:m>
                   <m:oMath xmlns:m="http://schemas.openxmlformats.org/officeDocument/2006/math">
                     <m:r>
-                      <a:rPr lang="en-US" i="1">
+                      <a:rPr lang="en-US" b="0" i="1" smtClean="0">
+                        <a:solidFill>
+                          <a:srgbClr val="0033CC"/>
+                        </a:solidFill>
                         <a:latin typeface="Cambria Math" panose="02040503050406030204" pitchFamily="18" charset="0"/>
                       </a:rPr>
-                      <m:t>𝑢</m:t>
+                      <m:t>𝑥</m:t>
                     </m:r>
-                    <m:d>
-                      <m:dPr>
-                        <m:ctrlPr>
-                          <a:rPr lang="en-US" i="1">
-                            <a:latin typeface="Cambria Math" panose="02040503050406030204" pitchFamily="18" charset="0"/>
-                          </a:rPr>
-                        </m:ctrlPr>
-                      </m:dPr>
-                      <m:e>
-                        <m:r>
-                          <a:rPr lang="en-US" i="1">
-                            <a:latin typeface="Cambria Math" panose="02040503050406030204" pitchFamily="18" charset="0"/>
-                          </a:rPr>
-                          <m:t>𝑥</m:t>
-                        </m:r>
-                        <m:r>
-                          <a:rPr lang="en-US" i="1">
-                            <a:latin typeface="Cambria Math" panose="02040503050406030204" pitchFamily="18" charset="0"/>
-                          </a:rPr>
-                          <m:t>,</m:t>
-                        </m:r>
-                        <m:r>
-                          <a:rPr lang="en-US" i="1">
-                            <a:latin typeface="Cambria Math" panose="02040503050406030204" pitchFamily="18" charset="0"/>
-                          </a:rPr>
-                          <m:t>𝜃</m:t>
-                        </m:r>
-                      </m:e>
-                    </m:d>
+                    <m:r>
+                      <a:rPr lang="en-US" b="0" i="1" smtClean="0">
+                        <a:solidFill>
+                          <a:srgbClr val="0033CC"/>
+                        </a:solidFill>
+                        <a:latin typeface="Cambria Math" panose="02040503050406030204" pitchFamily="18" charset="0"/>
+                      </a:rPr>
+                      <m:t>(</m:t>
+                    </m:r>
+                    <m:r>
+                      <a:rPr lang="en-US" b="0" i="1" smtClean="0">
+                        <a:solidFill>
+                          <a:srgbClr val="0033CC"/>
+                        </a:solidFill>
+                        <a:latin typeface="Cambria Math" panose="02040503050406030204" pitchFamily="18" charset="0"/>
+                      </a:rPr>
+                      <m:t>𝑝</m:t>
+                    </m:r>
+                    <m:r>
+                      <a:rPr lang="en-US" b="0" i="1" smtClean="0">
+                        <a:solidFill>
+                          <a:srgbClr val="0033CC"/>
+                        </a:solidFill>
+                        <a:latin typeface="Cambria Math" panose="02040503050406030204" pitchFamily="18" charset="0"/>
+                      </a:rPr>
+                      <m:t>)</m:t>
+                    </m:r>
                   </m:oMath>
                 </a14:m>
                 <a:r>
@@ -6621,10 +6619,22 @@
                 <a:pPr marL="0" indent="0">
                   <a:buNone/>
                 </a:pPr>
-                <a:endParaRPr lang="en-US" i="1" dirty="0">
-                  <a:solidFill>
-                    <a:srgbClr val="0033CC"/>
-                  </a:solidFill>
+                <a:r>
+                  <a:rPr lang="en-US" i="1" dirty="0">
+                    <a:solidFill>
+                      <a:srgbClr val="0033CC"/>
+                    </a:solidFill>
+                    <a:latin typeface="Cambria Math" panose="02040503050406030204" pitchFamily="18" charset="0"/>
+                  </a:rPr>
+                  <a:t>	</a:t>
+                </a:r>
+                <a:r>
+                  <a:rPr lang="en-US" dirty="0">
+                    <a:latin typeface="Cambria Math" panose="02040503050406030204" pitchFamily="18" charset="0"/>
+                  </a:rPr>
+                  <a:t>Ansatz</a:t>
+                </a:r>
+                <a:endParaRPr lang="en-US" sz="2400" b="0" dirty="0">
                   <a:latin typeface="Cambria Math" panose="02040503050406030204" pitchFamily="18" charset="0"/>
                 </a:endParaRPr>
               </a:p>
@@ -6632,7 +6642,7 @@
                 <a:pPr marL="0" indent="0">
                   <a:buNone/>
                 </a:pPr>
-                <a:endParaRPr lang="en-US" sz="2400" b="0" i="1" dirty="0">
+                <a:endParaRPr lang="en-US" i="1" dirty="0">
                   <a:solidFill>
                     <a:srgbClr val="0033CC"/>
                   </a:solidFill>
@@ -6740,10 +6750,10 @@
         </p:nvGrpSpPr>
         <p:grpSpPr>
           <a:xfrm>
-            <a:off x="6533234" y="1295400"/>
-            <a:ext cx="2382166" cy="3666274"/>
+            <a:off x="6400800" y="1295400"/>
+            <a:ext cx="2458366" cy="3962400"/>
             <a:chOff x="4660900" y="1962346"/>
-            <a:chExt cx="2382166" cy="3666274"/>
+            <a:chExt cx="2382166" cy="3962400"/>
           </a:xfrm>
         </p:grpSpPr>
         <p:grpSp>
@@ -6853,7 +6863,7 @@
                     <a:rPr lang="en-US" sz="1800" b="1" dirty="0">
                       <a:latin typeface="Times New Roman" pitchFamily="-65" charset="0"/>
                     </a:rPr>
-                    <a:t>Linear(4, 25)</a:t>
+                    <a:t>Linear(4, 32)</a:t>
                   </a:r>
                   <a:endParaRPr kumimoji="0" lang="en-US" sz="1800" b="1" i="0" u="none" strike="noStrike" cap="none" normalizeH="0" baseline="0" dirty="0">
                     <a:ln>
@@ -7007,10 +7017,10 @@
           </p:nvGrpSpPr>
           <p:grpSpPr>
             <a:xfrm>
-              <a:off x="5514157" y="5105400"/>
-              <a:ext cx="581843" cy="523220"/>
-              <a:chOff x="3200400" y="5953780"/>
-              <a:chExt cx="528949" cy="523220"/>
+              <a:off x="5366666" y="5121298"/>
+              <a:ext cx="330559" cy="803448"/>
+              <a:chOff x="3066310" y="5969678"/>
+              <a:chExt cx="300508" cy="803448"/>
             </a:xfrm>
           </p:grpSpPr>
           <p:cxnSp>
@@ -7064,7 +7074,7 @@
                 </p:nvSpPr>
                 <p:spPr>
                   <a:xfrm flipH="1">
-                    <a:off x="3428841" y="5953780"/>
+                    <a:off x="3066310" y="6249906"/>
                     <a:ext cx="300508" cy="523220"/>
                   </a:xfrm>
                   <a:prstGeom prst="rect">
@@ -7089,7 +7099,7 @@
                             <a:rPr lang="en-US" sz="2800" b="0" i="1" smtClean="0">
                               <a:latin typeface="Cambria Math" panose="02040503050406030204" pitchFamily="18" charset="0"/>
                             </a:rPr>
-                            <m:t>𝑥</m:t>
+                            <m:t>𝑝</m:t>
                           </m:r>
                         </m:oMath>
                       </m:oMathPara>
@@ -7116,7 +7126,7 @@
                 </p:nvSpPr>
                 <p:spPr>
                   <a:xfrm flipH="1">
-                    <a:off x="3428841" y="5953780"/>
+                    <a:off x="3066310" y="6249906"/>
                     <a:ext cx="300508" cy="523220"/>
                   </a:xfrm>
                   <a:prstGeom prst="rect">
@@ -7125,7 +7135,7 @@
                   <a:blipFill>
                     <a:blip r:embed="rId3"/>
                     <a:stretch>
-                      <a:fillRect r="-11111"/>
+                      <a:fillRect l="-11111" r="-22222" b="-11628"/>
                     </a:stretch>
                   </a:blipFill>
                 </p:spPr>
@@ -7232,7 +7242,7 @@
                   <a:rPr lang="en-US" sz="1800" b="1" dirty="0">
                     <a:latin typeface="Times New Roman" pitchFamily="-65" charset="0"/>
                   </a:rPr>
-                  <a:t>Linear(25, 1)</a:t>
+                  <a:t>Linear(32, 1)</a:t>
                 </a:r>
                 <a:endParaRPr kumimoji="0" lang="en-US" sz="1800" b="1" i="0" u="none" strike="noStrike" cap="none" normalizeH="0" baseline="0" dirty="0">
                   <a:ln>
@@ -7407,7 +7417,7 @@
                       <a:rPr lang="en-US" sz="1800" b="1" dirty="0">
                         <a:latin typeface="Times New Roman" pitchFamily="-65" charset="0"/>
                       </a:rPr>
-                      <a:t>Linear(25, 25)</a:t>
+                      <a:t>Linear(32, 32)</a:t>
                     </a:r>
                     <a:endParaRPr kumimoji="0" lang="en-US" sz="1800" b="1" i="0" u="none" strike="noStrike" cap="none" normalizeH="0" baseline="0" dirty="0">
                       <a:ln>
@@ -7596,7 +7606,14 @@
                               <a:latin typeface="Cambria Math" panose="02040503050406030204" pitchFamily="18" charset="0"/>
                               <a:ea typeface="Cambria Math" panose="02040503050406030204" pitchFamily="18" charset="0"/>
                             </a:rPr>
-                            <m:t> 5</m:t>
+                            <m:t> </m:t>
+                          </m:r>
+                          <m:r>
+                            <a:rPr lang="en-US" b="0" i="1" smtClean="0">
+                              <a:latin typeface="Cambria Math" panose="02040503050406030204" pitchFamily="18" charset="0"/>
+                              <a:ea typeface="Cambria Math" panose="02040503050406030204" pitchFamily="18" charset="0"/>
+                            </a:rPr>
+                            <m:t>4</m:t>
                           </m:r>
                         </m:oMath>
                       </m:oMathPara>
@@ -7708,7 +7725,7 @@
                               <a:rPr lang="en-US" sz="2800" b="0" i="1" smtClean="0">
                                 <a:latin typeface="Cambria Math" panose="02040503050406030204" pitchFamily="18" charset="0"/>
                               </a:rPr>
-                              <m:t>𝑥</m:t>
+                              <m:t>𝑝</m:t>
                             </m:r>
                             <m:r>
                               <a:rPr lang="en-US" sz="2800" b="0" i="1" smtClean="0">
@@ -7758,7 +7775,7 @@
                 <a:blipFill>
                   <a:blip r:embed="rId5"/>
                   <a:stretch>
-                    <a:fillRect l="-5051" b="-19048"/>
+                    <a:fillRect l="-3883" b="-19048"/>
                   </a:stretch>
                 </a:blipFill>
               </p:spPr>
@@ -7794,8 +7811,8 @@
             </p:nvSpPr>
             <p:spPr>
               <a:xfrm>
-                <a:off x="1279723" y="4495800"/>
-                <a:ext cx="4359077" cy="839653"/>
+                <a:off x="1998827" y="4799147"/>
+                <a:ext cx="4020973" cy="839653"/>
               </a:xfrm>
               <a:prstGeom prst="rect">
                 <a:avLst/>
@@ -7828,42 +7845,25 @@
                         <a:rPr lang="en-US" b="0" i="1" smtClean="0">
                           <a:latin typeface="Cambria Math" panose="02040503050406030204" pitchFamily="18" charset="0"/>
                         </a:rPr>
-                        <m:t>𝑢</m:t>
+                        <m:t>𝑥</m:t>
                       </m:r>
-                      <m:d>
-                        <m:dPr>
-                          <m:ctrlPr>
-                            <a:rPr lang="en-US" b="0" i="1" smtClean="0">
-                              <a:latin typeface="Cambria Math" panose="02040503050406030204" pitchFamily="18" charset="0"/>
-                            </a:rPr>
-                          </m:ctrlPr>
-                        </m:dPr>
-                        <m:e>
-                          <m:r>
-                            <a:rPr lang="en-US" b="0" i="1" smtClean="0">
-                              <a:latin typeface="Cambria Math" panose="02040503050406030204" pitchFamily="18" charset="0"/>
-                            </a:rPr>
-                            <m:t>𝑥</m:t>
-                          </m:r>
-                          <m:r>
-                            <a:rPr lang="en-US" b="0" i="1" smtClean="0">
-                              <a:latin typeface="Cambria Math" panose="02040503050406030204" pitchFamily="18" charset="0"/>
-                            </a:rPr>
-                            <m:t>,</m:t>
-                          </m:r>
-                          <m:r>
-                            <a:rPr lang="en-US" b="0" i="1" smtClean="0">
-                              <a:latin typeface="Cambria Math" panose="02040503050406030204" pitchFamily="18" charset="0"/>
-                            </a:rPr>
-                            <m:t>𝜃</m:t>
-                          </m:r>
-                        </m:e>
-                      </m:d>
                       <m:r>
                         <a:rPr lang="en-US" b="0" i="1" smtClean="0">
                           <a:latin typeface="Cambria Math" panose="02040503050406030204" pitchFamily="18" charset="0"/>
                         </a:rPr>
-                        <m:t>=</m:t>
+                        <m:t>(</m:t>
+                      </m:r>
+                      <m:r>
+                        <a:rPr lang="en-US" b="0" i="1" smtClean="0">
+                          <a:latin typeface="Cambria Math" panose="02040503050406030204" pitchFamily="18" charset="0"/>
+                        </a:rPr>
+                        <m:t>𝑧</m:t>
+                      </m:r>
+                      <m:r>
+                        <a:rPr lang="en-US" b="0" i="1" smtClean="0">
+                          <a:latin typeface="Cambria Math" panose="02040503050406030204" pitchFamily="18" charset="0"/>
+                        </a:rPr>
+                        <m:t>)=</m:t>
                       </m:r>
                       <m:f>
                         <m:fPr>
@@ -7884,10 +7884,10 @@
                             </m:sSubPr>
                             <m:e>
                               <m:r>
-                                <a:rPr lang="en-US" i="1">
+                                <a:rPr lang="en-US" b="0" i="1" smtClean="0">
                                   <a:latin typeface="Cambria Math" panose="02040503050406030204" pitchFamily="18" charset="0"/>
                                 </a:rPr>
-                                <m:t>𝑢</m:t>
+                                <m:t>𝑥</m:t>
                               </m:r>
                             </m:e>
                             <m:sub>
@@ -7964,10 +7964,10 @@
                             </m:dPr>
                             <m:e>
                               <m:r>
-                                <a:rPr lang="en-US" i="1">
+                                <a:rPr lang="en-US" b="0" i="1" smtClean="0">
                                   <a:latin typeface="Cambria Math" panose="02040503050406030204" pitchFamily="18" charset="0"/>
                                 </a:rPr>
-                                <m:t>𝑥</m:t>
+                                <m:t>𝑝</m:t>
                               </m:r>
                               <m:r>
                                 <a:rPr lang="en-US" i="1">
@@ -8068,8 +8068,8 @@
             </p:nvSpPr>
             <p:spPr>
               <a:xfrm>
-                <a:off x="1279723" y="4495800"/>
-                <a:ext cx="4359077" cy="839653"/>
+                <a:off x="1998827" y="4799147"/>
+                <a:ext cx="4020973" cy="839653"/>
               </a:xfrm>
               <a:prstGeom prst="rect">
                 <a:avLst/>
@@ -8113,13 +8113,13 @@
   <p:clrMapOvr>
     <a:masterClrMapping/>
   </p:clrMapOvr>
-  <mc:AlternateContent xmlns:mc="http://schemas.openxmlformats.org/markup-compatibility/2006">
-    <mc:Choice xmlns:p14="http://schemas.microsoft.com/office/powerpoint/2010/main" Requires="p14">
+  <mc:AlternateContent xmlns:mc="http://schemas.openxmlformats.org/markup-compatibility/2006" xmlns:p14="http://schemas.microsoft.com/office/powerpoint/2010/main">
+    <mc:Choice Requires="p14">
       <p:transition spd="med" p14:dur="700">
         <p:fade/>
       </p:transition>
     </mc:Choice>
-    <mc:Fallback>
+    <mc:Fallback xmlns="">
       <p:transition spd="med">
         <p:fade/>
       </p:transition>
@@ -8238,13 +8238,13 @@
                     </m:oMathParaPr>
                     <m:oMath xmlns:m="http://schemas.openxmlformats.org/officeDocument/2006/math">
                       <m:r>
-                        <a:rPr lang="en-US" i="1" smtClean="0">
+                        <a:rPr lang="en-US" b="0" i="1" smtClean="0">
                           <a:solidFill>
                             <a:schemeClr val="tx1"/>
                           </a:solidFill>
                           <a:latin typeface="Cambria Math" panose="02040503050406030204" pitchFamily="18" charset="0"/>
                         </a:rPr>
-                        <m:t>𝑥</m:t>
+                        <m:t>𝑝</m:t>
                       </m:r>
                       <m:r>
                         <a:rPr lang="en-US" b="0" i="1" smtClean="0">
@@ -8422,7 +8422,7 @@
                 </a:pPr>
                 <a:r>
                   <a:rPr lang="en-US" dirty="0"/>
-                  <a:t>Sample size:	60,000</a:t>
+                  <a:t>Sample size:	250,000</a:t>
                 </a:r>
               </a:p>
               <a:p>
@@ -8449,6 +8449,18 @@
                           <a:rPr lang="en-US" b="0" i="1" smtClean="0">
                             <a:latin typeface="Cambria Math" panose="02040503050406030204" pitchFamily="18" charset="0"/>
                           </a:rPr>
+                          <m:t>5</m:t>
+                        </m:r>
+                        <m:r>
+                          <a:rPr lang="en-US" b="0" i="1" smtClean="0">
+                            <a:latin typeface="Cambria Math" panose="02040503050406030204" pitchFamily="18" charset="0"/>
+                          </a:rPr>
+                          <m:t>×</m:t>
+                        </m:r>
+                        <m:r>
+                          <a:rPr lang="en-US" b="0" i="1" smtClean="0">
+                            <a:latin typeface="Cambria Math" panose="02040503050406030204" pitchFamily="18" charset="0"/>
+                          </a:rPr>
                           <m:t>10</m:t>
                         </m:r>
                       </m:e>
@@ -8457,7 +8469,13 @@
                           <a:rPr lang="en-US" b="0" i="1" smtClean="0">
                             <a:latin typeface="Cambria Math" panose="02040503050406030204" pitchFamily="18" charset="0"/>
                           </a:rPr>
-                          <m:t>−3</m:t>
+                          <m:t>−</m:t>
+                        </m:r>
+                        <m:r>
+                          <a:rPr lang="en-US" b="0" i="1" smtClean="0">
+                            <a:latin typeface="Cambria Math" panose="02040503050406030204" pitchFamily="18" charset="0"/>
+                          </a:rPr>
+                          <m:t>4</m:t>
                         </m:r>
                       </m:sup>
                     </m:sSup>
@@ -8472,7 +8490,7 @@
                 </a:pPr>
                 <a:r>
                   <a:rPr lang="en-US" dirty="0"/>
-                  <a:t>Batch size:	256</a:t>
+                  <a:t>Batch size:	200</a:t>
                 </a:r>
               </a:p>
               <a:p>
@@ -8482,7 +8500,7 @@
                 </a:pPr>
                 <a:r>
                   <a:rPr lang="en-US" dirty="0"/>
-                  <a:t>Iterations:	200,000</a:t>
+                  <a:t>Iterations:	150,000</a:t>
                 </a:r>
               </a:p>
               <a:p>
@@ -8550,10 +8568,10 @@
       </mc:AlternateContent>
       <p:grpSp>
         <p:nvGrpSpPr>
-          <p:cNvPr id="43" name="Group 42">
+          <p:cNvPr id="2" name="Group 1">
             <a:extLst>
               <a:ext uri="{FF2B5EF4-FFF2-40B4-BE49-F238E27FC236}">
-                <a16:creationId xmlns:a16="http://schemas.microsoft.com/office/drawing/2014/main" id="{E79F1372-9F62-CE71-CC85-BDC082EC1943}"/>
+                <a16:creationId xmlns:a16="http://schemas.microsoft.com/office/drawing/2014/main" id="{B7DA382D-62F1-AB3C-5DC0-50C8F0A02891}"/>
               </a:ext>
             </a:extLst>
           </p:cNvPr>
@@ -8562,18 +8580,18 @@
         </p:nvGrpSpPr>
         <p:grpSpPr>
           <a:xfrm>
-            <a:off x="6533234" y="1295400"/>
-            <a:ext cx="2382166" cy="3666274"/>
+            <a:off x="6400800" y="1295400"/>
+            <a:ext cx="2458366" cy="3962400"/>
             <a:chOff x="4660900" y="1962346"/>
-            <a:chExt cx="2382166" cy="3666274"/>
+            <a:chExt cx="2382166" cy="3962400"/>
           </a:xfrm>
         </p:grpSpPr>
         <p:grpSp>
           <p:nvGrpSpPr>
-            <p:cNvPr id="23" name="Group 22">
+            <p:cNvPr id="4" name="Group 3">
               <a:extLst>
                 <a:ext uri="{FF2B5EF4-FFF2-40B4-BE49-F238E27FC236}">
-                  <a16:creationId xmlns:a16="http://schemas.microsoft.com/office/drawing/2014/main" id="{F56E5D59-138C-C11C-1148-541B3F2D4E26}"/>
+                  <a16:creationId xmlns:a16="http://schemas.microsoft.com/office/drawing/2014/main" id="{F37393DF-8B86-FE0F-54E2-C7E24D917D54}"/>
                 </a:ext>
               </a:extLst>
             </p:cNvPr>
@@ -8590,10 +8608,10 @@
           </p:grpSpPr>
           <p:grpSp>
             <p:nvGrpSpPr>
-              <p:cNvPr id="3" name="Group 2">
+              <p:cNvPr id="35" name="Group 34">
                 <a:extLst>
                   <a:ext uri="{FF2B5EF4-FFF2-40B4-BE49-F238E27FC236}">
-                    <a16:creationId xmlns:a16="http://schemas.microsoft.com/office/drawing/2014/main" id="{F72C6660-5D15-52A5-BEC4-353B5E7F098B}"/>
+                    <a16:creationId xmlns:a16="http://schemas.microsoft.com/office/drawing/2014/main" id="{0F22D50B-A4BC-4578-077F-DC1627F34A10}"/>
                   </a:ext>
                 </a:extLst>
               </p:cNvPr>
@@ -8610,10 +8628,10 @@
             </p:grpSpPr>
             <p:sp>
               <p:nvSpPr>
-                <p:cNvPr id="20" name="Rectangle 19">
+                <p:cNvPr id="37" name="Rectangle 36">
                   <a:extLst>
                     <a:ext uri="{FF2B5EF4-FFF2-40B4-BE49-F238E27FC236}">
-                      <a16:creationId xmlns:a16="http://schemas.microsoft.com/office/drawing/2014/main" id="{DE47D195-CDB7-CE21-D4D8-3CE03F0950F8}"/>
+                      <a16:creationId xmlns:a16="http://schemas.microsoft.com/office/drawing/2014/main" id="{0C9032F7-C4A7-C021-4F3F-5F0EFFF9D504}"/>
                     </a:ext>
                   </a:extLst>
                 </p:cNvPr>
@@ -8675,7 +8693,7 @@
                     <a:rPr lang="en-US" sz="1800" b="1" dirty="0">
                       <a:latin typeface="Times New Roman" pitchFamily="-65" charset="0"/>
                     </a:rPr>
-                    <a:t>Linear(4, 25)</a:t>
+                    <a:t>Linear(4, 32)</a:t>
                   </a:r>
                   <a:endParaRPr kumimoji="0" lang="en-US" sz="1800" b="1" i="0" u="none" strike="noStrike" cap="none" normalizeH="0" baseline="0" dirty="0">
                     <a:ln>
@@ -8689,10 +8707,10 @@
             </p:sp>
             <p:sp>
               <p:nvSpPr>
-                <p:cNvPr id="21" name="Rectangle 20">
+                <p:cNvPr id="38" name="Rectangle 37">
                   <a:extLst>
                     <a:ext uri="{FF2B5EF4-FFF2-40B4-BE49-F238E27FC236}">
-                      <a16:creationId xmlns:a16="http://schemas.microsoft.com/office/drawing/2014/main" id="{0740632A-80F2-EB0D-1DBC-CD538D439D38}"/>
+                      <a16:creationId xmlns:a16="http://schemas.microsoft.com/office/drawing/2014/main" id="{52192FB5-640C-C9CD-8439-20DFC4A0411C}"/>
                     </a:ext>
                   </a:extLst>
                 </p:cNvPr>
@@ -8781,10 +8799,10 @@
           </p:grpSp>
           <p:cxnSp>
             <p:nvCxnSpPr>
-              <p:cNvPr id="6" name="Straight Arrow Connector 5">
+              <p:cNvPr id="36" name="Straight Arrow Connector 35">
                 <a:extLst>
                   <a:ext uri="{FF2B5EF4-FFF2-40B4-BE49-F238E27FC236}">
-                    <a16:creationId xmlns:a16="http://schemas.microsoft.com/office/drawing/2014/main" id="{FFB04FF6-A108-1D37-B7C4-8BE2E941C398}"/>
+                    <a16:creationId xmlns:a16="http://schemas.microsoft.com/office/drawing/2014/main" id="{BA3456F3-45F7-E75D-7B36-BDAB77453F69}"/>
                   </a:ext>
                 </a:extLst>
               </p:cNvPr>
@@ -8817,10 +8835,10 @@
         </p:grpSp>
         <p:grpSp>
           <p:nvGrpSpPr>
-            <p:cNvPr id="41" name="Group 40">
+            <p:cNvPr id="5" name="Group 4">
               <a:extLst>
                 <a:ext uri="{FF2B5EF4-FFF2-40B4-BE49-F238E27FC236}">
-                  <a16:creationId xmlns:a16="http://schemas.microsoft.com/office/drawing/2014/main" id="{4A1B1AE1-5BD4-BF81-5B40-5BA80D54BBCB}"/>
+                  <a16:creationId xmlns:a16="http://schemas.microsoft.com/office/drawing/2014/main" id="{D0FD34ED-334F-416E-C2FF-AB8093D22888}"/>
                 </a:ext>
               </a:extLst>
             </p:cNvPr>
@@ -8829,18 +8847,18 @@
           </p:nvGrpSpPr>
           <p:grpSpPr>
             <a:xfrm>
-              <a:off x="5514157" y="5105400"/>
-              <a:ext cx="581843" cy="523220"/>
-              <a:chOff x="3200400" y="5953780"/>
-              <a:chExt cx="528949" cy="523220"/>
+              <a:off x="5366666" y="5121298"/>
+              <a:ext cx="330559" cy="803448"/>
+              <a:chOff x="3066310" y="5969678"/>
+              <a:chExt cx="300508" cy="803448"/>
             </a:xfrm>
           </p:grpSpPr>
           <p:cxnSp>
             <p:nvCxnSpPr>
-              <p:cNvPr id="10" name="Straight Arrow Connector 9">
+              <p:cNvPr id="28" name="Straight Arrow Connector 27">
                 <a:extLst>
                   <a:ext uri="{FF2B5EF4-FFF2-40B4-BE49-F238E27FC236}">
-                    <a16:creationId xmlns:a16="http://schemas.microsoft.com/office/drawing/2014/main" id="{4EC3DA13-4D25-6F78-DE64-174413F4F337}"/>
+                    <a16:creationId xmlns:a16="http://schemas.microsoft.com/office/drawing/2014/main" id="{FDDA8BE7-8797-46B7-77BB-CF71C9B358C9}"/>
                   </a:ext>
                 </a:extLst>
               </p:cNvPr>
@@ -8870,14 +8888,14 @@
               <a:effectLst/>
             </p:spPr>
           </p:cxnSp>
-          <mc:AlternateContent xmlns:mc="http://schemas.openxmlformats.org/markup-compatibility/2006" xmlns:a14="http://schemas.microsoft.com/office/drawing/2010/main">
-            <mc:Choice Requires="a14">
+          <mc:AlternateContent xmlns:mc="http://schemas.openxmlformats.org/markup-compatibility/2006">
+            <mc:Choice xmlns:a14="http://schemas.microsoft.com/office/drawing/2010/main" Requires="a14">
               <p:sp>
                 <p:nvSpPr>
-                  <p:cNvPr id="19" name="TextBox 18">
+                  <p:cNvPr id="34" name="TextBox 33">
                     <a:extLst>
                       <a:ext uri="{FF2B5EF4-FFF2-40B4-BE49-F238E27FC236}">
-                        <a16:creationId xmlns:a16="http://schemas.microsoft.com/office/drawing/2014/main" id="{9056FCD6-F679-696B-156A-EB6453CC4DF0}"/>
+                        <a16:creationId xmlns:a16="http://schemas.microsoft.com/office/drawing/2014/main" id="{B2A5EE47-1052-DA89-827F-8BC6423682BF}"/>
                       </a:ext>
                     </a:extLst>
                   </p:cNvPr>
@@ -8886,7 +8904,7 @@
                 </p:nvSpPr>
                 <p:spPr>
                   <a:xfrm flipH="1">
-                    <a:off x="3428841" y="5953780"/>
+                    <a:off x="3066310" y="6249906"/>
                     <a:ext cx="300508" cy="523220"/>
                   </a:xfrm>
                   <a:prstGeom prst="rect">
@@ -8911,7 +8929,7 @@
                             <a:rPr lang="en-US" sz="2800" b="0" i="1" smtClean="0">
                               <a:latin typeface="Cambria Math" panose="02040503050406030204" pitchFamily="18" charset="0"/>
                             </a:rPr>
-                            <m:t>𝑥</m:t>
+                            <m:t>𝑝</m:t>
                           </m:r>
                         </m:oMath>
                       </m:oMathPara>
@@ -8921,13 +8939,13 @@
                 </p:txBody>
               </p:sp>
             </mc:Choice>
-            <mc:Fallback xmlns="">
+            <mc:Fallback>
               <p:sp>
                 <p:nvSpPr>
-                  <p:cNvPr id="19" name="TextBox 18">
+                  <p:cNvPr id="34" name="TextBox 33">
                     <a:extLst>
                       <a:ext uri="{FF2B5EF4-FFF2-40B4-BE49-F238E27FC236}">
-                        <a16:creationId xmlns:a16="http://schemas.microsoft.com/office/drawing/2014/main" id="{9056FCD6-F679-696B-156A-EB6453CC4DF0}"/>
+                        <a16:creationId xmlns:a16="http://schemas.microsoft.com/office/drawing/2014/main" id="{B2A5EE47-1052-DA89-827F-8BC6423682BF}"/>
                       </a:ext>
                     </a:extLst>
                   </p:cNvPr>
@@ -8938,7 +8956,7 @@
                 </p:nvSpPr>
                 <p:spPr>
                   <a:xfrm flipH="1">
-                    <a:off x="3428841" y="5953780"/>
+                    <a:off x="3066310" y="6249906"/>
                     <a:ext cx="300508" cy="523220"/>
                   </a:xfrm>
                   <a:prstGeom prst="rect">
@@ -8947,7 +8965,7 @@
                   <a:blipFill>
                     <a:blip r:embed="rId3"/>
                     <a:stretch>
-                      <a:fillRect r="-11111"/>
+                      <a:fillRect l="-11111" r="-22222" b="-11628"/>
                     </a:stretch>
                   </a:blipFill>
                 </p:spPr>
@@ -8969,10 +8987,10 @@
         </p:grpSp>
         <p:grpSp>
           <p:nvGrpSpPr>
-            <p:cNvPr id="24" name="Group 23">
+            <p:cNvPr id="9" name="Group 8">
               <a:extLst>
                 <a:ext uri="{FF2B5EF4-FFF2-40B4-BE49-F238E27FC236}">
-                  <a16:creationId xmlns:a16="http://schemas.microsoft.com/office/drawing/2014/main" id="{9E5B89AF-292F-D4DB-FF87-F37F638E2725}"/>
+                  <a16:creationId xmlns:a16="http://schemas.microsoft.com/office/drawing/2014/main" id="{76C1DCBA-8C99-5737-086D-E394AC4188CB}"/>
                 </a:ext>
               </a:extLst>
             </p:cNvPr>
@@ -8989,10 +9007,10 @@
           </p:grpSpPr>
           <p:sp>
             <p:nvSpPr>
-              <p:cNvPr id="27" name="Rectangle 26">
+              <p:cNvPr id="22" name="Rectangle 21">
                 <a:extLst>
                   <a:ext uri="{FF2B5EF4-FFF2-40B4-BE49-F238E27FC236}">
-                    <a16:creationId xmlns:a16="http://schemas.microsoft.com/office/drawing/2014/main" id="{12754835-57FC-D8EA-0301-6CBDF503F4C1}"/>
+                    <a16:creationId xmlns:a16="http://schemas.microsoft.com/office/drawing/2014/main" id="{029C2B89-C112-1B1F-C2BC-F799138DB3E1}"/>
                   </a:ext>
                 </a:extLst>
               </p:cNvPr>
@@ -9054,7 +9072,7 @@
                   <a:rPr lang="en-US" sz="1800" b="1" dirty="0">
                     <a:latin typeface="Times New Roman" pitchFamily="-65" charset="0"/>
                   </a:rPr>
-                  <a:t>Linear(25, 1)</a:t>
+                  <a:t>Linear(32, 1)</a:t>
                 </a:r>
                 <a:endParaRPr kumimoji="0" lang="en-US" sz="1800" b="1" i="0" u="none" strike="noStrike" cap="none" normalizeH="0" baseline="0" dirty="0">
                   <a:ln>
@@ -9068,10 +9086,10 @@
           </p:sp>
           <p:cxnSp>
             <p:nvCxnSpPr>
-              <p:cNvPr id="26" name="Straight Arrow Connector 25">
+              <p:cNvPr id="25" name="Straight Arrow Connector 24">
                 <a:extLst>
                   <a:ext uri="{FF2B5EF4-FFF2-40B4-BE49-F238E27FC236}">
-                    <a16:creationId xmlns:a16="http://schemas.microsoft.com/office/drawing/2014/main" id="{8FBB714D-FF87-3C81-D385-F42176FCDBF6}"/>
+                    <a16:creationId xmlns:a16="http://schemas.microsoft.com/office/drawing/2014/main" id="{65F8F3C1-5372-1E23-7F12-F5C03F67B480}"/>
                   </a:ext>
                 </a:extLst>
               </p:cNvPr>
@@ -9104,10 +9122,10 @@
         </p:grpSp>
         <p:grpSp>
           <p:nvGrpSpPr>
-            <p:cNvPr id="40" name="Group 39">
+            <p:cNvPr id="11" name="Group 10">
               <a:extLst>
                 <a:ext uri="{FF2B5EF4-FFF2-40B4-BE49-F238E27FC236}">
-                  <a16:creationId xmlns:a16="http://schemas.microsoft.com/office/drawing/2014/main" id="{36B6EB04-523A-25CE-6394-A8AE6943483B}"/>
+                  <a16:creationId xmlns:a16="http://schemas.microsoft.com/office/drawing/2014/main" id="{6B9AC146-AFC1-DEFB-150F-D3E9BCE1ABE3}"/>
                 </a:ext>
               </a:extLst>
             </p:cNvPr>
@@ -9124,10 +9142,10 @@
           </p:grpSpPr>
           <p:grpSp>
             <p:nvGrpSpPr>
-              <p:cNvPr id="29" name="Group 28">
+              <p:cNvPr id="13" name="Group 12">
                 <a:extLst>
                   <a:ext uri="{FF2B5EF4-FFF2-40B4-BE49-F238E27FC236}">
-                    <a16:creationId xmlns:a16="http://schemas.microsoft.com/office/drawing/2014/main" id="{C7247F59-5A57-326F-EFCD-EEE9384791D9}"/>
+                    <a16:creationId xmlns:a16="http://schemas.microsoft.com/office/drawing/2014/main" id="{A0A04C81-25B4-FBB7-CC23-865A8B31A6B4}"/>
                   </a:ext>
                 </a:extLst>
               </p:cNvPr>
@@ -9144,10 +9162,10 @@
             </p:grpSpPr>
             <p:grpSp>
               <p:nvGrpSpPr>
-                <p:cNvPr id="30" name="Group 29">
+                <p:cNvPr id="15" name="Group 14">
                   <a:extLst>
                     <a:ext uri="{FF2B5EF4-FFF2-40B4-BE49-F238E27FC236}">
-                      <a16:creationId xmlns:a16="http://schemas.microsoft.com/office/drawing/2014/main" id="{1BCB680C-21E6-5B20-1474-D3563F1346A1}"/>
+                      <a16:creationId xmlns:a16="http://schemas.microsoft.com/office/drawing/2014/main" id="{3ADC4610-C8E1-D361-D8CA-6E39B340BE86}"/>
                     </a:ext>
                   </a:extLst>
                 </p:cNvPr>
@@ -9164,10 +9182,10 @@
               </p:grpSpPr>
               <p:sp>
                 <p:nvSpPr>
-                  <p:cNvPr id="32" name="Rectangle 31">
+                  <p:cNvPr id="17" name="Rectangle 16">
                     <a:extLst>
                       <a:ext uri="{FF2B5EF4-FFF2-40B4-BE49-F238E27FC236}">
-                        <a16:creationId xmlns:a16="http://schemas.microsoft.com/office/drawing/2014/main" id="{F81E927C-EC77-FD63-4529-4DE6B5FD560F}"/>
+                        <a16:creationId xmlns:a16="http://schemas.microsoft.com/office/drawing/2014/main" id="{A53A484F-3C12-8292-0C0F-4529BB8FB1A1}"/>
                       </a:ext>
                     </a:extLst>
                   </p:cNvPr>
@@ -9229,7 +9247,7 @@
                       <a:rPr lang="en-US" sz="1800" b="1" dirty="0">
                         <a:latin typeface="Times New Roman" pitchFamily="-65" charset="0"/>
                       </a:rPr>
-                      <a:t>Linear(25, 25)</a:t>
+                      <a:t>Linear(32, 32)</a:t>
                     </a:r>
                     <a:endParaRPr kumimoji="0" lang="en-US" sz="1800" b="1" i="0" u="none" strike="noStrike" cap="none" normalizeH="0" baseline="0" dirty="0">
                       <a:ln>
@@ -9243,10 +9261,10 @@
               </p:sp>
               <p:sp>
                 <p:nvSpPr>
-                  <p:cNvPr id="33" name="Rectangle 32">
+                  <p:cNvPr id="18" name="Rectangle 17">
                     <a:extLst>
                       <a:ext uri="{FF2B5EF4-FFF2-40B4-BE49-F238E27FC236}">
-                        <a16:creationId xmlns:a16="http://schemas.microsoft.com/office/drawing/2014/main" id="{B2190232-0B2C-5E54-24D7-0F3FCA529DEE}"/>
+                        <a16:creationId xmlns:a16="http://schemas.microsoft.com/office/drawing/2014/main" id="{DD6D82C5-4C94-2376-1128-816C930C0AE7}"/>
                       </a:ext>
                     </a:extLst>
                   </p:cNvPr>
@@ -9335,10 +9353,10 @@
             </p:grpSp>
             <p:cxnSp>
               <p:nvCxnSpPr>
-                <p:cNvPr id="31" name="Straight Arrow Connector 30">
+                <p:cNvPr id="16" name="Straight Arrow Connector 15">
                   <a:extLst>
                     <a:ext uri="{FF2B5EF4-FFF2-40B4-BE49-F238E27FC236}">
-                      <a16:creationId xmlns:a16="http://schemas.microsoft.com/office/drawing/2014/main" id="{6BFD4E37-F522-F9C1-8761-5D0536E847E4}"/>
+                      <a16:creationId xmlns:a16="http://schemas.microsoft.com/office/drawing/2014/main" id="{065F331B-63E8-60B8-3EA2-F1379353EFB9}"/>
                     </a:ext>
                   </a:extLst>
                 </p:cNvPr>
@@ -9369,14 +9387,14 @@
               </p:spPr>
             </p:cxnSp>
           </p:grpSp>
-          <mc:AlternateContent xmlns:mc="http://schemas.openxmlformats.org/markup-compatibility/2006" xmlns:a14="http://schemas.microsoft.com/office/drawing/2010/main">
-            <mc:Choice Requires="a14">
+          <mc:AlternateContent xmlns:mc="http://schemas.openxmlformats.org/markup-compatibility/2006">
+            <mc:Choice xmlns:a14="http://schemas.microsoft.com/office/drawing/2010/main" Requires="a14">
               <p:sp>
                 <p:nvSpPr>
-                  <p:cNvPr id="39" name="TextBox 38">
+                  <p:cNvPr id="14" name="TextBox 13">
                     <a:extLst>
                       <a:ext uri="{FF2B5EF4-FFF2-40B4-BE49-F238E27FC236}">
-                        <a16:creationId xmlns:a16="http://schemas.microsoft.com/office/drawing/2014/main" id="{C8E5346C-7909-B77E-31E5-E3B271A0B6B2}"/>
+                        <a16:creationId xmlns:a16="http://schemas.microsoft.com/office/drawing/2014/main" id="{7A770268-CD05-C409-2B8C-FA2FA15EB10B}"/>
                       </a:ext>
                     </a:extLst>
                   </p:cNvPr>
@@ -9418,7 +9436,14 @@
                               <a:latin typeface="Cambria Math" panose="02040503050406030204" pitchFamily="18" charset="0"/>
                               <a:ea typeface="Cambria Math" panose="02040503050406030204" pitchFamily="18" charset="0"/>
                             </a:rPr>
-                            <m:t> 5</m:t>
+                            <m:t> </m:t>
+                          </m:r>
+                          <m:r>
+                            <a:rPr lang="en-US" b="0" i="1" smtClean="0">
+                              <a:latin typeface="Cambria Math" panose="02040503050406030204" pitchFamily="18" charset="0"/>
+                              <a:ea typeface="Cambria Math" panose="02040503050406030204" pitchFamily="18" charset="0"/>
+                            </a:rPr>
+                            <m:t>4</m:t>
                           </m:r>
                         </m:oMath>
                       </m:oMathPara>
@@ -9428,13 +9453,13 @@
                 </p:txBody>
               </p:sp>
             </mc:Choice>
-            <mc:Fallback xmlns="">
+            <mc:Fallback>
               <p:sp>
                 <p:nvSpPr>
-                  <p:cNvPr id="39" name="TextBox 38">
+                  <p:cNvPr id="14" name="TextBox 13">
                     <a:extLst>
                       <a:ext uri="{FF2B5EF4-FFF2-40B4-BE49-F238E27FC236}">
-                        <a16:creationId xmlns:a16="http://schemas.microsoft.com/office/drawing/2014/main" id="{C8E5346C-7909-B77E-31E5-E3B271A0B6B2}"/>
+                        <a16:creationId xmlns:a16="http://schemas.microsoft.com/office/drawing/2014/main" id="{7A770268-CD05-C409-2B8C-FA2FA15EB10B}"/>
                       </a:ext>
                     </a:extLst>
                   </p:cNvPr>
@@ -9474,14 +9499,14 @@
             </mc:Fallback>
           </mc:AlternateContent>
         </p:grpSp>
-        <mc:AlternateContent xmlns:mc="http://schemas.openxmlformats.org/markup-compatibility/2006" xmlns:a14="http://schemas.microsoft.com/office/drawing/2010/main">
-          <mc:Choice Requires="a14">
+        <mc:AlternateContent xmlns:mc="http://schemas.openxmlformats.org/markup-compatibility/2006">
+          <mc:Choice xmlns:a14="http://schemas.microsoft.com/office/drawing/2010/main" Requires="a14">
             <p:sp>
               <p:nvSpPr>
-                <p:cNvPr id="42" name="TextBox 41">
+                <p:cNvPr id="12" name="TextBox 11">
                   <a:extLst>
                     <a:ext uri="{FF2B5EF4-FFF2-40B4-BE49-F238E27FC236}">
-                      <a16:creationId xmlns:a16="http://schemas.microsoft.com/office/drawing/2014/main" id="{039F5665-EE78-0617-EAA2-F035D941C48A}"/>
+                      <a16:creationId xmlns:a16="http://schemas.microsoft.com/office/drawing/2014/main" id="{D4FC42C1-3D8A-4E75-5FCA-1B5374B206EF}"/>
                     </a:ext>
                   </a:extLst>
                 </p:cNvPr>
@@ -9530,7 +9555,7 @@
                               <a:rPr lang="en-US" sz="2800" b="0" i="1" smtClean="0">
                                 <a:latin typeface="Cambria Math" panose="02040503050406030204" pitchFamily="18" charset="0"/>
                               </a:rPr>
-                              <m:t>𝑥</m:t>
+                              <m:t>𝑝</m:t>
                             </m:r>
                             <m:r>
                               <a:rPr lang="en-US" sz="2800" b="0" i="1" smtClean="0">
@@ -9554,13 +9579,13 @@
               </p:txBody>
             </p:sp>
           </mc:Choice>
-          <mc:Fallback xmlns="">
+          <mc:Fallback>
             <p:sp>
               <p:nvSpPr>
-                <p:cNvPr id="42" name="TextBox 41">
+                <p:cNvPr id="12" name="TextBox 11">
                   <a:extLst>
                     <a:ext uri="{FF2B5EF4-FFF2-40B4-BE49-F238E27FC236}">
-                      <a16:creationId xmlns:a16="http://schemas.microsoft.com/office/drawing/2014/main" id="{039F5665-EE78-0617-EAA2-F035D941C48A}"/>
+                      <a16:creationId xmlns:a16="http://schemas.microsoft.com/office/drawing/2014/main" id="{D4FC42C1-3D8A-4E75-5FCA-1B5374B206EF}"/>
                     </a:ext>
                   </a:extLst>
                 </p:cNvPr>
@@ -9580,7 +9605,7 @@
                 <a:blipFill>
                   <a:blip r:embed="rId5"/>
                   <a:stretch>
-                    <a:fillRect l="-5051" b="-19048"/>
+                    <a:fillRect l="-3883" b="-19048"/>
                   </a:stretch>
                 </a:blipFill>
               </p:spPr>

--- a/Lectures/Week08/Lecture15.pptx
+++ b/Lectures/Week08/Lecture15.pptx
@@ -3312,8 +3312,8 @@
           </a:p>
         </p:txBody>
       </p:sp>
-      <mc:AlternateContent xmlns:mc="http://schemas.openxmlformats.org/markup-compatibility/2006">
-        <mc:Choice xmlns:a14="http://schemas.microsoft.com/office/drawing/2010/main" Requires="a14">
+      <mc:AlternateContent xmlns:mc="http://schemas.openxmlformats.org/markup-compatibility/2006" xmlns:a14="http://schemas.microsoft.com/office/drawing/2010/main">
+        <mc:Choice Requires="a14">
           <p:sp>
             <p:nvSpPr>
               <p:cNvPr id="8" name="Content Placeholder 7">
@@ -3473,13 +3473,7 @@
                             <a:rPr lang="en-US" b="0" i="1" smtClean="0">
                               <a:latin typeface="Cambria Math" panose="02040503050406030204" pitchFamily="18" charset="0"/>
                             </a:rPr>
-                            <m:t>𝑑</m:t>
-                          </m:r>
-                          <m:r>
-                            <a:rPr lang="en-US" b="0" i="1" smtClean="0">
-                              <a:latin typeface="Cambria Math" panose="02040503050406030204" pitchFamily="18" charset="0"/>
-                            </a:rPr>
-                            <m:t>𝑥</m:t>
+                            <m:t>𝑑𝑥</m:t>
                           </m:r>
                         </m:num>
                         <m:den>
@@ -3605,7 +3599,7 @@
             </p:txBody>
           </p:sp>
         </mc:Choice>
-        <mc:Fallback>
+        <mc:Fallback xmlns="">
           <p:sp>
             <p:nvSpPr>
               <p:cNvPr id="8" name="Content Placeholder 7">
@@ -3766,8 +3760,8 @@
           </a:p>
         </p:txBody>
       </p:sp>
-      <mc:AlternateContent xmlns:mc="http://schemas.openxmlformats.org/markup-compatibility/2006">
-        <mc:Choice xmlns:a14="http://schemas.microsoft.com/office/drawing/2010/main" Requires="a14">
+      <mc:AlternateContent xmlns:mc="http://schemas.openxmlformats.org/markup-compatibility/2006" xmlns:a14="http://schemas.microsoft.com/office/drawing/2010/main">
+        <mc:Choice Requires="a14">
           <p:sp>
             <p:nvSpPr>
               <p:cNvPr id="8" name="Content Placeholder 7">
@@ -4199,16 +4193,7 @@
                                 </a:solidFill>
                                 <a:latin typeface="Cambria Math" panose="02040503050406030204" pitchFamily="18" charset="0"/>
                               </a:rPr>
-                              <m:t>𝑑</m:t>
-                            </m:r>
-                            <m:r>
-                              <a:rPr lang="en-US" b="0" i="1" smtClean="0">
-                                <a:solidFill>
-                                  <a:srgbClr val="0033CC"/>
-                                </a:solidFill>
-                                <a:latin typeface="Cambria Math" panose="02040503050406030204" pitchFamily="18" charset="0"/>
-                              </a:rPr>
-                              <m:t>𝑥</m:t>
+                              <m:t>𝑑𝑥</m:t>
                             </m:r>
                           </m:num>
                           <m:den>
@@ -4491,7 +4476,7 @@
             </p:txBody>
           </p:sp>
         </mc:Choice>
-        <mc:Fallback>
+        <mc:Fallback xmlns="">
           <p:sp>
             <p:nvSpPr>
               <p:cNvPr id="8" name="Content Placeholder 7">
@@ -4615,8 +4600,8 @@
           </a:p>
         </p:txBody>
       </p:sp>
-      <mc:AlternateContent xmlns:mc="http://schemas.openxmlformats.org/markup-compatibility/2006">
-        <mc:Choice xmlns:a14="http://schemas.microsoft.com/office/drawing/2010/main" Requires="a14">
+      <mc:AlternateContent xmlns:mc="http://schemas.openxmlformats.org/markup-compatibility/2006" xmlns:a14="http://schemas.microsoft.com/office/drawing/2010/main">
+        <mc:Choice Requires="a14">
           <p:sp>
             <p:nvSpPr>
               <p:cNvPr id="8" name="Content Placeholder 7">
@@ -5752,7 +5737,7 @@
             </p:txBody>
           </p:sp>
         </mc:Choice>
-        <mc:Fallback>
+        <mc:Fallback xmlns="">
           <p:sp>
             <p:nvSpPr>
               <p:cNvPr id="8" name="Content Placeholder 7">
@@ -6320,13 +6305,19 @@
                       <a:rPr lang="en-US" b="0" i="1" smtClean="0">
                         <a:latin typeface="Cambria Math" panose="02040503050406030204" pitchFamily="18" charset="0"/>
                       </a:rPr>
-                      <m:t>     =</m:t>
+                      <m:t>    </m:t>
                     </m:r>
                     <m:r>
                       <a:rPr lang="en-US" b="0" i="1" smtClean="0">
                         <a:latin typeface="Cambria Math" panose="02040503050406030204" pitchFamily="18" charset="0"/>
                       </a:rPr>
                       <m:t> </m:t>
+                    </m:r>
+                    <m:r>
+                      <a:rPr lang="en-US" b="0" i="1" smtClean="0">
+                        <a:latin typeface="Cambria Math" panose="02040503050406030204" pitchFamily="18" charset="0"/>
+                      </a:rPr>
+                      <m:t>= </m:t>
                     </m:r>
                   </m:oMath>
                 </a14:m>
@@ -6434,6 +6425,12 @@
                         <a:latin typeface="Cambria Math" panose="02040503050406030204" pitchFamily="18" charset="0"/>
                       </a:rPr>
                       <m:t>     =</m:t>
+                    </m:r>
+                    <m:r>
+                      <a:rPr lang="en-US" b="0" i="1" smtClean="0">
+                        <a:latin typeface="Cambria Math" panose="02040503050406030204" pitchFamily="18" charset="0"/>
+                      </a:rPr>
+                      <m:t> </m:t>
                     </m:r>
                   </m:oMath>
                 </a14:m>
@@ -7058,8 +7055,8 @@
               <a:effectLst/>
             </p:spPr>
           </p:cxnSp>
-          <mc:AlternateContent xmlns:mc="http://schemas.openxmlformats.org/markup-compatibility/2006">
-            <mc:Choice xmlns:a14="http://schemas.microsoft.com/office/drawing/2010/main" Requires="a14">
+          <mc:AlternateContent xmlns:mc="http://schemas.openxmlformats.org/markup-compatibility/2006" xmlns:a14="http://schemas.microsoft.com/office/drawing/2010/main">
+            <mc:Choice Requires="a14">
               <p:sp>
                 <p:nvSpPr>
                   <p:cNvPr id="19" name="TextBox 18">
@@ -7109,7 +7106,7 @@
                 </p:txBody>
               </p:sp>
             </mc:Choice>
-            <mc:Fallback>
+            <mc:Fallback xmlns="">
               <p:sp>
                 <p:nvSpPr>
                   <p:cNvPr id="19" name="TextBox 18">
@@ -7557,8 +7554,8 @@
               </p:spPr>
             </p:cxnSp>
           </p:grpSp>
-          <mc:AlternateContent xmlns:mc="http://schemas.openxmlformats.org/markup-compatibility/2006">
-            <mc:Choice xmlns:a14="http://schemas.microsoft.com/office/drawing/2010/main" Requires="a14">
+          <mc:AlternateContent xmlns:mc="http://schemas.openxmlformats.org/markup-compatibility/2006" xmlns:a14="http://schemas.microsoft.com/office/drawing/2010/main">
+            <mc:Choice Requires="a14">
               <p:sp>
                 <p:nvSpPr>
                   <p:cNvPr id="39" name="TextBox 38">
@@ -7606,14 +7603,7 @@
                               <a:latin typeface="Cambria Math" panose="02040503050406030204" pitchFamily="18" charset="0"/>
                               <a:ea typeface="Cambria Math" panose="02040503050406030204" pitchFamily="18" charset="0"/>
                             </a:rPr>
-                            <m:t> </m:t>
-                          </m:r>
-                          <m:r>
-                            <a:rPr lang="en-US" b="0" i="1" smtClean="0">
-                              <a:latin typeface="Cambria Math" panose="02040503050406030204" pitchFamily="18" charset="0"/>
-                              <a:ea typeface="Cambria Math" panose="02040503050406030204" pitchFamily="18" charset="0"/>
-                            </a:rPr>
-                            <m:t>4</m:t>
+                            <m:t> 4</m:t>
                           </m:r>
                         </m:oMath>
                       </m:oMathPara>
@@ -7623,7 +7613,7 @@
                 </p:txBody>
               </p:sp>
             </mc:Choice>
-            <mc:Fallback>
+            <mc:Fallback xmlns="">
               <p:sp>
                 <p:nvSpPr>
                   <p:cNvPr id="39" name="TextBox 38">
@@ -7669,8 +7659,8 @@
             </mc:Fallback>
           </mc:AlternateContent>
         </p:grpSp>
-        <mc:AlternateContent xmlns:mc="http://schemas.openxmlformats.org/markup-compatibility/2006">
-          <mc:Choice xmlns:a14="http://schemas.microsoft.com/office/drawing/2010/main" Requires="a14">
+        <mc:AlternateContent xmlns:mc="http://schemas.openxmlformats.org/markup-compatibility/2006" xmlns:a14="http://schemas.microsoft.com/office/drawing/2010/main">
+          <mc:Choice Requires="a14">
             <p:sp>
               <p:nvSpPr>
                 <p:cNvPr id="42" name="TextBox 41">
@@ -7749,7 +7739,7 @@
               </p:txBody>
             </p:sp>
           </mc:Choice>
-          <mc:Fallback>
+          <mc:Fallback xmlns="">
             <p:sp>
               <p:nvSpPr>
                 <p:cNvPr id="42" name="TextBox 41">
@@ -7795,8 +7785,8 @@
           </mc:Fallback>
         </mc:AlternateContent>
       </p:grpSp>
-      <mc:AlternateContent xmlns:mc="http://schemas.openxmlformats.org/markup-compatibility/2006">
-        <mc:Choice xmlns:a14="http://schemas.microsoft.com/office/drawing/2010/main" Requires="a14">
+      <mc:AlternateContent xmlns:mc="http://schemas.openxmlformats.org/markup-compatibility/2006" xmlns:a14="http://schemas.microsoft.com/office/drawing/2010/main">
+        <mc:Choice Requires="a14">
           <p:sp>
             <p:nvSpPr>
               <p:cNvPr id="2" name="TextBox 1">
@@ -8051,7 +8041,7 @@
             </p:txBody>
           </p:sp>
         </mc:Choice>
-        <mc:Fallback>
+        <mc:Fallback xmlns="">
           <p:sp>
             <p:nvSpPr>
               <p:cNvPr id="2" name="TextBox 1">
@@ -8187,8 +8177,8 @@
           </a:p>
         </p:txBody>
       </p:sp>
-      <mc:AlternateContent xmlns:mc="http://schemas.openxmlformats.org/markup-compatibility/2006">
-        <mc:Choice xmlns:a14="http://schemas.microsoft.com/office/drawing/2010/main" Requires="a14">
+      <mc:AlternateContent xmlns:mc="http://schemas.openxmlformats.org/markup-compatibility/2006" xmlns:a14="http://schemas.microsoft.com/office/drawing/2010/main">
+        <mc:Choice Requires="a14">
           <p:sp>
             <p:nvSpPr>
               <p:cNvPr id="8" name="Content Placeholder 7">
@@ -8449,19 +8439,7 @@
                           <a:rPr lang="en-US" b="0" i="1" smtClean="0">
                             <a:latin typeface="Cambria Math" panose="02040503050406030204" pitchFamily="18" charset="0"/>
                           </a:rPr>
-                          <m:t>5</m:t>
-                        </m:r>
-                        <m:r>
-                          <a:rPr lang="en-US" b="0" i="1" smtClean="0">
-                            <a:latin typeface="Cambria Math" panose="02040503050406030204" pitchFamily="18" charset="0"/>
-                          </a:rPr>
-                          <m:t>×</m:t>
-                        </m:r>
-                        <m:r>
-                          <a:rPr lang="en-US" b="0" i="1" smtClean="0">
-                            <a:latin typeface="Cambria Math" panose="02040503050406030204" pitchFamily="18" charset="0"/>
-                          </a:rPr>
-                          <m:t>10</m:t>
+                          <m:t>5×10</m:t>
                         </m:r>
                       </m:e>
                       <m:sup>
@@ -8469,13 +8447,7 @@
                           <a:rPr lang="en-US" b="0" i="1" smtClean="0">
                             <a:latin typeface="Cambria Math" panose="02040503050406030204" pitchFamily="18" charset="0"/>
                           </a:rPr>
-                          <m:t>−</m:t>
-                        </m:r>
-                        <m:r>
-                          <a:rPr lang="en-US" b="0" i="1" smtClean="0">
-                            <a:latin typeface="Cambria Math" panose="02040503050406030204" pitchFamily="18" charset="0"/>
-                          </a:rPr>
-                          <m:t>4</m:t>
+                          <m:t>−4</m:t>
                         </m:r>
                       </m:sup>
                     </m:sSup>
@@ -8522,7 +8494,7 @@
             </p:txBody>
           </p:sp>
         </mc:Choice>
-        <mc:Fallback>
+        <mc:Fallback xmlns="">
           <p:sp>
             <p:nvSpPr>
               <p:cNvPr id="8" name="Content Placeholder 7">
@@ -8888,8 +8860,8 @@
               <a:effectLst/>
             </p:spPr>
           </p:cxnSp>
-          <mc:AlternateContent xmlns:mc="http://schemas.openxmlformats.org/markup-compatibility/2006">
-            <mc:Choice xmlns:a14="http://schemas.microsoft.com/office/drawing/2010/main" Requires="a14">
+          <mc:AlternateContent xmlns:mc="http://schemas.openxmlformats.org/markup-compatibility/2006" xmlns:a14="http://schemas.microsoft.com/office/drawing/2010/main">
+            <mc:Choice Requires="a14">
               <p:sp>
                 <p:nvSpPr>
                   <p:cNvPr id="34" name="TextBox 33">
@@ -8939,7 +8911,7 @@
                 </p:txBody>
               </p:sp>
             </mc:Choice>
-            <mc:Fallback>
+            <mc:Fallback xmlns="">
               <p:sp>
                 <p:nvSpPr>
                   <p:cNvPr id="34" name="TextBox 33">
@@ -9387,8 +9359,8 @@
               </p:spPr>
             </p:cxnSp>
           </p:grpSp>
-          <mc:AlternateContent xmlns:mc="http://schemas.openxmlformats.org/markup-compatibility/2006">
-            <mc:Choice xmlns:a14="http://schemas.microsoft.com/office/drawing/2010/main" Requires="a14">
+          <mc:AlternateContent xmlns:mc="http://schemas.openxmlformats.org/markup-compatibility/2006" xmlns:a14="http://schemas.microsoft.com/office/drawing/2010/main">
+            <mc:Choice Requires="a14">
               <p:sp>
                 <p:nvSpPr>
                   <p:cNvPr id="14" name="TextBox 13">
@@ -9436,14 +9408,7 @@
                               <a:latin typeface="Cambria Math" panose="02040503050406030204" pitchFamily="18" charset="0"/>
                               <a:ea typeface="Cambria Math" panose="02040503050406030204" pitchFamily="18" charset="0"/>
                             </a:rPr>
-                            <m:t> </m:t>
-                          </m:r>
-                          <m:r>
-                            <a:rPr lang="en-US" b="0" i="1" smtClean="0">
-                              <a:latin typeface="Cambria Math" panose="02040503050406030204" pitchFamily="18" charset="0"/>
-                              <a:ea typeface="Cambria Math" panose="02040503050406030204" pitchFamily="18" charset="0"/>
-                            </a:rPr>
-                            <m:t>4</m:t>
+                            <m:t> 4</m:t>
                           </m:r>
                         </m:oMath>
                       </m:oMathPara>
@@ -9453,7 +9418,7 @@
                 </p:txBody>
               </p:sp>
             </mc:Choice>
-            <mc:Fallback>
+            <mc:Fallback xmlns="">
               <p:sp>
                 <p:nvSpPr>
                   <p:cNvPr id="14" name="TextBox 13">
@@ -9499,8 +9464,8 @@
             </mc:Fallback>
           </mc:AlternateContent>
         </p:grpSp>
-        <mc:AlternateContent xmlns:mc="http://schemas.openxmlformats.org/markup-compatibility/2006">
-          <mc:Choice xmlns:a14="http://schemas.microsoft.com/office/drawing/2010/main" Requires="a14">
+        <mc:AlternateContent xmlns:mc="http://schemas.openxmlformats.org/markup-compatibility/2006" xmlns:a14="http://schemas.microsoft.com/office/drawing/2010/main">
+          <mc:Choice Requires="a14">
             <p:sp>
               <p:nvSpPr>
                 <p:cNvPr id="12" name="TextBox 11">
@@ -9579,7 +9544,7 @@
               </p:txBody>
             </p:sp>
           </mc:Choice>
-          <mc:Fallback>
+          <mc:Fallback xmlns="">
             <p:sp>
               <p:nvSpPr>
                 <p:cNvPr id="12" name="TextBox 11">
